--- a/Crotty2015/report20160112.pptx
+++ b/Crotty2015/report20160112.pptx
@@ -25052,6 +25052,13 @@
   <p:clrMapOvr>
     <a:masterClrMapping/>
   </p:clrMapOvr>
+  <p:timing>
+    <p:tnLst>
+      <p:par>
+        <p:cTn xmlns:p14="http://schemas.microsoft.com/office/powerpoint/2010/main" id="1" dur="indefinite" restart="never" nodeType="tmRoot"/>
+      </p:par>
+    </p:tnLst>
+  </p:timing>
 </p:sld>
 </file>
 
@@ -25282,6 +25289,66 @@
           </a:p>
         </p:txBody>
       </p:sp>
+      <p:sp>
+        <p:nvSpPr>
+          <p:cNvPr id="2" name="TextBox 1"/>
+          <p:cNvSpPr txBox="1"/>
+          <p:nvPr/>
+        </p:nvSpPr>
+        <p:spPr>
+          <a:xfrm>
+            <a:off x="2195144" y="305790"/>
+            <a:ext cx="351366" cy="369332"/>
+          </a:xfrm>
+          <a:prstGeom prst="rect">
+            <a:avLst/>
+          </a:prstGeom>
+          <a:noFill/>
+        </p:spPr>
+        <p:txBody>
+          <a:bodyPr wrap="none" rtlCol="0">
+            <a:spAutoFit/>
+          </a:bodyPr>
+          <a:lstStyle/>
+          <a:p>
+            <a:r>
+              <a:rPr lang="en-US" dirty="0" smtClean="0"/>
+              <a:t>N</a:t>
+            </a:r>
+            <a:endParaRPr lang="en-US" dirty="0"/>
+          </a:p>
+        </p:txBody>
+      </p:sp>
+      <p:sp>
+        <p:nvSpPr>
+          <p:cNvPr id="8" name="TextBox 7"/>
+          <p:cNvSpPr txBox="1"/>
+          <p:nvPr/>
+        </p:nvSpPr>
+        <p:spPr>
+          <a:xfrm>
+            <a:off x="3152241" y="458190"/>
+            <a:ext cx="633369" cy="369332"/>
+          </a:xfrm>
+          <a:prstGeom prst="rect">
+            <a:avLst/>
+          </a:prstGeom>
+          <a:noFill/>
+        </p:spPr>
+        <p:txBody>
+          <a:bodyPr wrap="none" rtlCol="0">
+            <a:spAutoFit/>
+          </a:bodyPr>
+          <a:lstStyle/>
+          <a:p>
+            <a:r>
+              <a:rPr lang="en-US" dirty="0" smtClean="0"/>
+              <a:t>TFH</a:t>
+            </a:r>
+            <a:endParaRPr lang="en-US" dirty="0"/>
+          </a:p>
+        </p:txBody>
+      </p:sp>
     </p:spTree>
     <p:extLst>
       <p:ext uri="{BB962C8B-B14F-4D97-AF65-F5344CB8AC3E}">
@@ -25292,6 +25359,13 @@
   <p:clrMapOvr>
     <a:masterClrMapping/>
   </p:clrMapOvr>
+  <p:timing>
+    <p:tnLst>
+      <p:par>
+        <p:cTn xmlns:p14="http://schemas.microsoft.com/office/powerpoint/2010/main" id="1" dur="indefinite" restart="never" nodeType="tmRoot"/>
+      </p:par>
+    </p:tnLst>
+  </p:timing>
 </p:sld>
 </file>
 
@@ -25495,6 +25569,13 @@
   <p:clrMapOvr>
     <a:masterClrMapping/>
   </p:clrMapOvr>
+  <p:timing>
+    <p:tnLst>
+      <p:par>
+        <p:cTn xmlns:p14="http://schemas.microsoft.com/office/powerpoint/2010/main" id="1" dur="indefinite" restart="never" nodeType="tmRoot"/>
+      </p:par>
+    </p:tnLst>
+  </p:timing>
 </p:sld>
 </file>
 
@@ -25596,6 +25677,13 @@
   <p:clrMapOvr>
     <a:masterClrMapping/>
   </p:clrMapOvr>
+  <p:timing>
+    <p:tnLst>
+      <p:par>
+        <p:cTn xmlns:p14="http://schemas.microsoft.com/office/powerpoint/2010/main" id="1" dur="indefinite" restart="never" nodeType="tmRoot"/>
+      </p:par>
+    </p:tnLst>
+  </p:timing>
 </p:sld>
 </file>
 
@@ -25775,6 +25863,13 @@
   <p:clrMapOvr>
     <a:masterClrMapping/>
   </p:clrMapOvr>
+  <p:timing>
+    <p:tnLst>
+      <p:par>
+        <p:cTn xmlns:p14="http://schemas.microsoft.com/office/powerpoint/2010/main" id="1" dur="indefinite" restart="never" nodeType="tmRoot"/>
+      </p:par>
+    </p:tnLst>
+  </p:timing>
 </p:sld>
 </file>
 
@@ -25881,6 +25976,13 @@
   <p:clrMapOvr>
     <a:masterClrMapping/>
   </p:clrMapOvr>
+  <p:timing>
+    <p:tnLst>
+      <p:par>
+        <p:cTn xmlns:p14="http://schemas.microsoft.com/office/powerpoint/2010/main" id="1" dur="indefinite" restart="never" nodeType="tmRoot"/>
+      </p:par>
+    </p:tnLst>
+  </p:timing>
 </p:sld>
 </file>
 
@@ -25999,6 +26101,13 @@
   <p:clrMapOvr>
     <a:masterClrMapping/>
   </p:clrMapOvr>
+  <p:timing>
+    <p:tnLst>
+      <p:par>
+        <p:cTn xmlns:p14="http://schemas.microsoft.com/office/powerpoint/2010/main" id="1" dur="indefinite" restart="never" nodeType="tmRoot"/>
+      </p:par>
+    </p:tnLst>
+  </p:timing>
 </p:sld>
 </file>
 
@@ -26105,6 +26214,13 @@
   <p:clrMapOvr>
     <a:masterClrMapping/>
   </p:clrMapOvr>
+  <p:timing>
+    <p:tnLst>
+      <p:par>
+        <p:cTn xmlns:p14="http://schemas.microsoft.com/office/powerpoint/2010/main" id="1" dur="indefinite" restart="never" nodeType="tmRoot"/>
+      </p:par>
+    </p:tnLst>
+  </p:timing>
 </p:sld>
 </file>
 
@@ -26254,6 +26370,13 @@
   <p:clrMapOvr>
     <a:masterClrMapping/>
   </p:clrMapOvr>
+  <p:timing>
+    <p:tnLst>
+      <p:par>
+        <p:cTn xmlns:p14="http://schemas.microsoft.com/office/powerpoint/2010/main" id="1" dur="indefinite" restart="never" nodeType="tmRoot"/>
+      </p:par>
+    </p:tnLst>
+  </p:timing>
 </p:sld>
 </file>
 
@@ -26393,6 +26516,13 @@
   <p:clrMapOvr>
     <a:masterClrMapping/>
   </p:clrMapOvr>
+  <p:timing>
+    <p:tnLst>
+      <p:par>
+        <p:cTn xmlns:p14="http://schemas.microsoft.com/office/powerpoint/2010/main" id="1" dur="indefinite" restart="never" nodeType="tmRoot"/>
+      </p:par>
+    </p:tnLst>
+  </p:timing>
 </p:sld>
 </file>
 
@@ -26446,6 +26576,13 @@
   <p:clrMapOvr>
     <a:masterClrMapping/>
   </p:clrMapOvr>
+  <p:timing>
+    <p:tnLst>
+      <p:par>
+        <p:cTn xmlns:p14="http://schemas.microsoft.com/office/powerpoint/2010/main" id="1" dur="indefinite" restart="never" nodeType="tmRoot"/>
+      </p:par>
+    </p:tnLst>
+  </p:timing>
 </p:sld>
 </file>
 
